--- a/Presentaciones/gap_equipo_08.pptx
+++ b/Presentaciones/gap_equipo_08.pptx
@@ -5,16 +5,13 @@
     <p:sldMasterId id="2147483648" r:id="rId1"/>
   </p:sldMasterIdLst>
   <p:notesMasterIdLst>
-    <p:notesMasterId r:id="rId9"/>
+    <p:notesMasterId r:id="rId6"/>
   </p:notesMasterIdLst>
   <p:sldIdLst>
     <p:sldId id="256" r:id="rId2"/>
     <p:sldId id="259" r:id="rId3"/>
     <p:sldId id="260" r:id="rId4"/>
-    <p:sldId id="261" r:id="rId5"/>
-    <p:sldId id="262" r:id="rId6"/>
-    <p:sldId id="263" r:id="rId7"/>
-    <p:sldId id="264" r:id="rId8"/>
+    <p:sldId id="262" r:id="rId5"/>
   </p:sldIdLst>
   <p:sldSz cx="9144000" cy="6858000" type="screen4x3"/>
   <p:notesSz cx="6858000" cy="9144000"/>
@@ -3527,8 +3524,13 @@
             </a:pPr>
             <a:r>
               <a:rPr lang="es-CO" b="1" dirty="0"/>
-              <a:t>Brecha salarial de género </a:t>
-            </a:r>
+              <a:t>Brecha salarial de </a:t>
+            </a:r>
+            <a:r>
+              <a:rPr lang="es-CO" b="1"/>
+              <a:t>género   </a:t>
+            </a:r>
+            <a:endParaRPr lang="es-CO" b="1" dirty="0"/>
           </a:p>
         </p:txBody>
       </p:sp>
@@ -3591,8 +3593,8 @@
           </a:p>
         </p:txBody>
       </p:sp>
-      <mc:AlternateContent xmlns:mc="http://schemas.openxmlformats.org/markup-compatibility/2006">
-        <mc:Choice xmlns:a14="http://schemas.microsoft.com/office/drawing/2010/main" Requires="a14">
+      <mc:AlternateContent xmlns:mc="http://schemas.openxmlformats.org/markup-compatibility/2006" xmlns:a14="http://schemas.microsoft.com/office/drawing/2010/main">
+        <mc:Choice Requires="a14">
           <p:sp>
             <p:nvSpPr>
               <p:cNvPr id="2" name="Rectangle 4">
@@ -3940,7 +3942,7 @@
             </p:txBody>
           </p:sp>
         </mc:Choice>
-        <mc:Fallback>
+        <mc:Fallback xmlns="">
           <p:sp>
             <p:nvSpPr>
               <p:cNvPr id="2" name="Rectangle 4">
@@ -4084,8 +4086,8 @@
           </a:p>
         </p:txBody>
       </p:sp>
-      <mc:AlternateContent xmlns:mc="http://schemas.openxmlformats.org/markup-compatibility/2006">
-        <mc:Choice xmlns:a14="http://schemas.microsoft.com/office/drawing/2010/main" Requires="a14">
+      <mc:AlternateContent xmlns:mc="http://schemas.openxmlformats.org/markup-compatibility/2006" xmlns:a14="http://schemas.microsoft.com/office/drawing/2010/main">
+        <mc:Choice Requires="a14">
           <p:sp>
             <p:nvSpPr>
               <p:cNvPr id="4" name="Rectangle 4">
@@ -4819,7 +4821,7 @@
             </p:txBody>
           </p:sp>
         </mc:Choice>
-        <mc:Fallback>
+        <mc:Fallback xmlns="">
           <p:sp>
             <p:nvSpPr>
               <p:cNvPr id="4" name="Rectangle 4">
@@ -4917,7 +4919,7 @@
         <p:cNvPr id="1" name="">
           <a:extLst>
             <a:ext uri="{FF2B5EF4-FFF2-40B4-BE49-F238E27FC236}">
-              <a16:creationId xmlns:a16="http://schemas.microsoft.com/office/drawing/2014/main" id="{91C0B4BF-0E6A-1389-B784-62347F7AC338}"/>
+              <a16:creationId xmlns:a16="http://schemas.microsoft.com/office/drawing/2014/main" id="{D571D1C5-BCD7-888B-97BA-1A4D282D4E66}"/>
             </a:ext>
           </a:extLst>
         </p:cNvPr>
@@ -4937,7 +4939,7 @@
           <p:cNvPr id="6146" name="Título 1">
             <a:extLst>
               <a:ext uri="{FF2B5EF4-FFF2-40B4-BE49-F238E27FC236}">
-                <a16:creationId xmlns:a16="http://schemas.microsoft.com/office/drawing/2014/main" id="{A36536B0-93E7-B812-5399-7954B6158586}"/>
+                <a16:creationId xmlns:a16="http://schemas.microsoft.com/office/drawing/2014/main" id="{772CB5AB-2FFC-516B-C60E-733E8221FBC5}"/>
               </a:ext>
             </a:extLst>
           </p:cNvPr>
@@ -4950,7 +4952,7 @@
         </p:nvSpPr>
         <p:spPr>
           <a:xfrm>
-            <a:off x="1071563" y="1632794"/>
+            <a:off x="1071563" y="1772816"/>
             <a:ext cx="8229600" cy="500062"/>
           </a:xfrm>
         </p:spPr>
@@ -4960,7 +4962,7 @@
           <a:p>
             <a:r>
               <a:rPr lang="es-MX" altLang="es-CO" dirty="0"/>
-              <a:t>Variables de control (efectos esperados)</a:t>
+              <a:t>Estimación FWL</a:t>
             </a:r>
             <a:endParaRPr lang="es-CO" altLang="es-CO" dirty="0"/>
           </a:p>
@@ -4968,10 +4970,10 @@
       </p:sp>
       <p:sp>
         <p:nvSpPr>
-          <p:cNvPr id="2" name="Rectangle 4">
+          <p:cNvPr id="3" name="Rectangle 1">
             <a:extLst>
               <a:ext uri="{FF2B5EF4-FFF2-40B4-BE49-F238E27FC236}">
-                <a16:creationId xmlns:a16="http://schemas.microsoft.com/office/drawing/2014/main" id="{86F5FD4F-EAF4-CAFC-2024-0D37C85ABE1F}"/>
+                <a16:creationId xmlns:a16="http://schemas.microsoft.com/office/drawing/2014/main" id="{B6CF39BF-023F-FBC3-320B-1AC8BF7D5A59}"/>
               </a:ext>
             </a:extLst>
           </p:cNvPr>
@@ -4984,8 +4986,8 @@
         </p:nvSpPr>
         <p:spPr bwMode="auto">
           <a:xfrm>
-            <a:off x="1187624" y="2709756"/>
-            <a:ext cx="7100837" cy="2031325"/>
+            <a:off x="1082338" y="2283827"/>
+            <a:ext cx="7344816" cy="2000548"/>
           </a:xfrm>
           <a:prstGeom prst="rect">
             <a:avLst/>
@@ -5033,14 +5035,75 @@
           </a:bodyPr>
           <a:lstStyle/>
           <a:p>
+            <a:pPr marL="0" indent="0">
+              <a:spcBef>
+                <a:spcPct val="0"/>
+              </a:spcBef>
+              <a:buNone/>
+            </a:pPr>
+            <a:r>
+              <a:rPr lang="es-MX" altLang="es-CO" sz="1600" b="1" dirty="0"/>
+              <a:t>Método Frisch-</a:t>
+            </a:r>
+            <a:r>
+              <a:rPr lang="es-MX" altLang="es-CO" sz="1600" b="1" dirty="0" err="1"/>
+              <a:t>Waugh</a:t>
+            </a:r>
+            <a:r>
+              <a:rPr lang="es-MX" altLang="es-CO" sz="1600" b="1" dirty="0"/>
+              <a:t>-</a:t>
+            </a:r>
+            <a:r>
+              <a:rPr lang="es-MX" altLang="es-CO" sz="1600" b="1" dirty="0" err="1"/>
+              <a:t>Lovell</a:t>
+            </a:r>
+            <a:r>
+              <a:rPr lang="es-MX" altLang="es-CO" sz="1600" b="1" dirty="0"/>
+              <a:t>:</a:t>
+            </a:r>
+          </a:p>
+          <a:p>
+            <a:pPr marL="0" indent="0">
+              <a:spcBef>
+                <a:spcPct val="0"/>
+              </a:spcBef>
+              <a:buNone/>
+            </a:pPr>
+            <a:endParaRPr lang="es-MX" altLang="es-CO" sz="1800" dirty="0"/>
+          </a:p>
+          <a:p>
             <a:pPr>
               <a:spcBef>
                 <a:spcPct val="0"/>
               </a:spcBef>
             </a:pPr>
             <a:r>
+              <a:rPr lang="es-MX" altLang="es-CO" sz="1800" dirty="0" err="1"/>
+              <a:t>Coef</a:t>
+            </a:r>
+            <a:r>
               <a:rPr lang="es-MX" altLang="es-CO" sz="1800" dirty="0"/>
-              <a:t>Educación ↑ → salarios más altos (efecto creciente)</a:t>
+              <a:t>. </a:t>
+            </a:r>
+            <a:r>
+              <a:rPr lang="es-MX" altLang="es-CO" sz="1800" dirty="0" err="1"/>
+              <a:t>res_sex</a:t>
+            </a:r>
+            <a:r>
+              <a:rPr lang="es-MX" altLang="es-CO" sz="1800" dirty="0"/>
+              <a:t> = 0,1414 </a:t>
+            </a:r>
+          </a:p>
+          <a:p>
+            <a:pPr marL="457200" lvl="1" indent="0">
+              <a:spcBef>
+                <a:spcPct val="0"/>
+              </a:spcBef>
+              <a:buNone/>
+            </a:pPr>
+            <a:r>
+              <a:rPr lang="es-MX" altLang="es-CO" dirty="0"/>
+              <a:t>→ Hombres ganan ≈15,2% más	</a:t>
             </a:r>
           </a:p>
           <a:p>
@@ -5049,7 +5112,10 @@
                 <a:spcPct val="0"/>
               </a:spcBef>
             </a:pPr>
-            <a:endParaRPr lang="es-MX" altLang="es-CO" sz="1800" dirty="0"/>
+            <a:r>
+              <a:rPr lang="es-MX" altLang="es-CO" sz="1800" dirty="0"/>
+              <a:t>Altamente significativo (t=13,07, p&lt;0,001)</a:t>
+            </a:r>
           </a:p>
           <a:p>
             <a:pPr>
@@ -5059,46 +5125,7 @@
             </a:pPr>
             <a:r>
               <a:rPr lang="es-MX" altLang="es-CO" sz="1800" dirty="0"/>
-              <a:t>Formalidad ↑ → +33% en ingresos</a:t>
-            </a:r>
-          </a:p>
-          <a:p>
-            <a:pPr>
-              <a:spcBef>
-                <a:spcPct val="0"/>
-              </a:spcBef>
-            </a:pPr>
-            <a:endParaRPr lang="es-MX" altLang="es-CO" sz="1800" dirty="0"/>
-          </a:p>
-          <a:p>
-            <a:pPr>
-              <a:spcBef>
-                <a:spcPct val="0"/>
-              </a:spcBef>
-            </a:pPr>
-            <a:r>
-              <a:rPr lang="es-MX" altLang="es-CO" sz="1800" dirty="0"/>
-              <a:t>Tamaño empresa ↑ → más grandes → salarios más altos</a:t>
-            </a:r>
-          </a:p>
-          <a:p>
-            <a:pPr marL="0" indent="0">
-              <a:spcBef>
-                <a:spcPct val="0"/>
-              </a:spcBef>
-              <a:buNone/>
-            </a:pPr>
-            <a:endParaRPr lang="es-MX" altLang="es-CO" sz="1800" dirty="0"/>
-          </a:p>
-          <a:p>
-            <a:pPr>
-              <a:spcBef>
-                <a:spcPct val="0"/>
-              </a:spcBef>
-            </a:pPr>
-            <a:r>
-              <a:rPr lang="es-MX" altLang="es-CO" sz="1800" dirty="0"/>
-              <a:t>Edad efecto positivo pero no lineal</a:t>
+              <a:t>Reafirma que la brecha salarial no desaparece al controlar covariables</a:t>
             </a:r>
             <a:endParaRPr kumimoji="0" lang="es-CO" altLang="es-CO" sz="1800" b="0" i="0" u="none" strike="noStrike" cap="none" normalizeH="0" baseline="0" dirty="0">
               <a:ln>
@@ -5114,71 +5141,200 @@
           </a:p>
         </p:txBody>
       </p:sp>
-    </p:spTree>
-    <p:extLst>
-      <p:ext uri="{BB962C8B-B14F-4D97-AF65-F5344CB8AC3E}">
-        <p14:creationId xmlns:p14="http://schemas.microsoft.com/office/powerpoint/2010/main" val="746123462"/>
-      </p:ext>
-    </p:extLst>
-  </p:cSld>
-  <p:clrMapOvr>
-    <a:masterClrMapping/>
-  </p:clrMapOvr>
-</p:sld>
-</file>
-
-<file path=ppt/slides/slide5.xml><?xml version="1.0" encoding="utf-8"?>
-<p:sld xmlns:a="http://schemas.openxmlformats.org/drawingml/2006/main" xmlns:r="http://schemas.openxmlformats.org/officeDocument/2006/relationships" xmlns:p="http://schemas.openxmlformats.org/presentationml/2006/main">
-  <p:cSld>
-    <p:spTree>
-      <p:nvGrpSpPr>
-        <p:cNvPr id="1" name="">
-          <a:extLst>
-            <a:ext uri="{FF2B5EF4-FFF2-40B4-BE49-F238E27FC236}">
-              <a16:creationId xmlns:a16="http://schemas.microsoft.com/office/drawing/2014/main" id="{D571D1C5-BCD7-888B-97BA-1A4D282D4E66}"/>
-            </a:ext>
-          </a:extLst>
-        </p:cNvPr>
-        <p:cNvGrpSpPr/>
-        <p:nvPr/>
-      </p:nvGrpSpPr>
-      <p:grpSpPr>
-        <a:xfrm>
-          <a:off x="0" y="0"/>
-          <a:ext cx="0" cy="0"/>
-          <a:chOff x="0" y="0"/>
-          <a:chExt cx="0" cy="0"/>
-        </a:xfrm>
-      </p:grpSpPr>
       <p:sp>
         <p:nvSpPr>
-          <p:cNvPr id="6146" name="Título 1">
+          <p:cNvPr id="2" name="Título 1">
             <a:extLst>
               <a:ext uri="{FF2B5EF4-FFF2-40B4-BE49-F238E27FC236}">
-                <a16:creationId xmlns:a16="http://schemas.microsoft.com/office/drawing/2014/main" id="{772CB5AB-2FFC-516B-C60E-733E8221FBC5}"/>
+                <a16:creationId xmlns:a16="http://schemas.microsoft.com/office/drawing/2014/main" id="{40FBEB2A-5C06-AA47-ABBA-F82EA8CFEAA5}"/>
               </a:ext>
             </a:extLst>
           </p:cNvPr>
-          <p:cNvSpPr>
-            <a:spLocks noGrp="1"/>
+          <p:cNvSpPr txBox="1">
+            <a:spLocks/>
           </p:cNvSpPr>
-          <p:nvPr>
-            <p:ph type="title"/>
-          </p:nvPr>
+          <p:nvPr/>
         </p:nvSpPr>
-        <p:spPr>
+        <p:spPr bwMode="auto">
           <a:xfrm>
-            <a:off x="1071563" y="1772816"/>
+            <a:off x="1187624" y="4437112"/>
             <a:ext cx="8229600" cy="500062"/>
           </a:xfrm>
+          <a:prstGeom prst="rect">
+            <a:avLst/>
+          </a:prstGeom>
+          <a:noFill/>
+          <a:ln>
+            <a:noFill/>
+          </a:ln>
+          <a:extLst>
+            <a:ext uri="{909E8E84-426E-40DD-AFC4-6F175D3DCCD1}">
+              <a14:hiddenFill xmlns:a14="http://schemas.microsoft.com/office/drawing/2010/main">
+                <a:solidFill>
+                  <a:srgbClr val="FFFFFF"/>
+                </a:solidFill>
+              </a14:hiddenFill>
+            </a:ext>
+            <a:ext uri="{91240B29-F687-4F45-9708-019B960494DF}">
+              <a14:hiddenLine xmlns:a14="http://schemas.microsoft.com/office/drawing/2010/main" w="9525">
+                <a:solidFill>
+                  <a:srgbClr val="000000"/>
+                </a:solidFill>
+                <a:miter lim="800000"/>
+                <a:headEnd/>
+                <a:tailEnd/>
+              </a14:hiddenLine>
+            </a:ext>
+          </a:extLst>
         </p:spPr>
         <p:txBody>
-          <a:bodyPr/>
-          <a:lstStyle/>
-          <a:p>
-            <a:r>
-              <a:rPr lang="es-MX" altLang="es-CO" dirty="0"/>
-              <a:t>Estimación FWL</a:t>
+          <a:bodyPr vert="horz" wrap="square" lIns="91440" tIns="45720" rIns="91440" bIns="45720" numCol="1" anchor="ctr" anchorCtr="0" compatLnSpc="1">
+            <a:prstTxWarp prst="textNoShape">
+              <a:avLst/>
+            </a:prstTxWarp>
+          </a:bodyPr>
+          <a:lstStyle>
+            <a:lvl1pPr algn="l" rtl="0" eaLnBrk="0" fontAlgn="base" hangingPunct="0">
+              <a:spcBef>
+                <a:spcPct val="0"/>
+              </a:spcBef>
+              <a:spcAft>
+                <a:spcPct val="0"/>
+              </a:spcAft>
+              <a:defRPr sz="2400" b="1" kern="1200">
+                <a:solidFill>
+                  <a:schemeClr val="tx1"/>
+                </a:solidFill>
+                <a:latin typeface="Arial" pitchFamily="34" charset="0"/>
+                <a:ea typeface="+mj-ea"/>
+                <a:cs typeface="Arial" pitchFamily="34" charset="0"/>
+              </a:defRPr>
+            </a:lvl1pPr>
+            <a:lvl2pPr algn="l" rtl="0" eaLnBrk="0" fontAlgn="base" hangingPunct="0">
+              <a:spcBef>
+                <a:spcPct val="0"/>
+              </a:spcBef>
+              <a:spcAft>
+                <a:spcPct val="0"/>
+              </a:spcAft>
+              <a:defRPr sz="2400" b="1">
+                <a:solidFill>
+                  <a:schemeClr val="tx1"/>
+                </a:solidFill>
+                <a:latin typeface="Arial" charset="0"/>
+                <a:cs typeface="Arial" charset="0"/>
+              </a:defRPr>
+            </a:lvl2pPr>
+            <a:lvl3pPr algn="l" rtl="0" eaLnBrk="0" fontAlgn="base" hangingPunct="0">
+              <a:spcBef>
+                <a:spcPct val="0"/>
+              </a:spcBef>
+              <a:spcAft>
+                <a:spcPct val="0"/>
+              </a:spcAft>
+              <a:defRPr sz="2400" b="1">
+                <a:solidFill>
+                  <a:schemeClr val="tx1"/>
+                </a:solidFill>
+                <a:latin typeface="Arial" charset="0"/>
+                <a:cs typeface="Arial" charset="0"/>
+              </a:defRPr>
+            </a:lvl3pPr>
+            <a:lvl4pPr algn="l" rtl="0" eaLnBrk="0" fontAlgn="base" hangingPunct="0">
+              <a:spcBef>
+                <a:spcPct val="0"/>
+              </a:spcBef>
+              <a:spcAft>
+                <a:spcPct val="0"/>
+              </a:spcAft>
+              <a:defRPr sz="2400" b="1">
+                <a:solidFill>
+                  <a:schemeClr val="tx1"/>
+                </a:solidFill>
+                <a:latin typeface="Arial" charset="0"/>
+                <a:cs typeface="Arial" charset="0"/>
+              </a:defRPr>
+            </a:lvl4pPr>
+            <a:lvl5pPr algn="l" rtl="0" eaLnBrk="0" fontAlgn="base" hangingPunct="0">
+              <a:spcBef>
+                <a:spcPct val="0"/>
+              </a:spcBef>
+              <a:spcAft>
+                <a:spcPct val="0"/>
+              </a:spcAft>
+              <a:defRPr sz="2400" b="1">
+                <a:solidFill>
+                  <a:schemeClr val="tx1"/>
+                </a:solidFill>
+                <a:latin typeface="Arial" charset="0"/>
+                <a:cs typeface="Arial" charset="0"/>
+              </a:defRPr>
+            </a:lvl5pPr>
+            <a:lvl6pPr marL="457200" algn="l" rtl="0" fontAlgn="base">
+              <a:spcBef>
+                <a:spcPct val="0"/>
+              </a:spcBef>
+              <a:spcAft>
+                <a:spcPct val="0"/>
+              </a:spcAft>
+              <a:defRPr sz="2400" b="1">
+                <a:solidFill>
+                  <a:schemeClr val="tx1"/>
+                </a:solidFill>
+                <a:latin typeface="Arial" charset="0"/>
+                <a:cs typeface="Arial" charset="0"/>
+              </a:defRPr>
+            </a:lvl6pPr>
+            <a:lvl7pPr marL="914400" algn="l" rtl="0" fontAlgn="base">
+              <a:spcBef>
+                <a:spcPct val="0"/>
+              </a:spcBef>
+              <a:spcAft>
+                <a:spcPct val="0"/>
+              </a:spcAft>
+              <a:defRPr sz="2400" b="1">
+                <a:solidFill>
+                  <a:schemeClr val="tx1"/>
+                </a:solidFill>
+                <a:latin typeface="Arial" charset="0"/>
+                <a:cs typeface="Arial" charset="0"/>
+              </a:defRPr>
+            </a:lvl7pPr>
+            <a:lvl8pPr marL="1371600" algn="l" rtl="0" fontAlgn="base">
+              <a:spcBef>
+                <a:spcPct val="0"/>
+              </a:spcBef>
+              <a:spcAft>
+                <a:spcPct val="0"/>
+              </a:spcAft>
+              <a:defRPr sz="2400" b="1">
+                <a:solidFill>
+                  <a:schemeClr val="tx1"/>
+                </a:solidFill>
+                <a:latin typeface="Arial" charset="0"/>
+                <a:cs typeface="Arial" charset="0"/>
+              </a:defRPr>
+            </a:lvl8pPr>
+            <a:lvl9pPr marL="1828800" algn="l" rtl="0" fontAlgn="base">
+              <a:spcBef>
+                <a:spcPct val="0"/>
+              </a:spcBef>
+              <a:spcAft>
+                <a:spcPct val="0"/>
+              </a:spcAft>
+              <a:defRPr sz="2400" b="1">
+                <a:solidFill>
+                  <a:schemeClr val="tx1"/>
+                </a:solidFill>
+                <a:latin typeface="Arial" charset="0"/>
+                <a:cs typeface="Arial" charset="0"/>
+              </a:defRPr>
+            </a:lvl9pPr>
+          </a:lstStyle>
+          <a:p>
+            <a:r>
+              <a:rPr lang="es-MX" altLang="es-CO"/>
+              <a:t>FWL + Bootstrap</a:t>
             </a:r>
             <a:endParaRPr lang="es-CO" altLang="es-CO" dirty="0"/>
           </a:p>
@@ -5186,24 +5342,22 @@
       </p:sp>
       <p:sp>
         <p:nvSpPr>
-          <p:cNvPr id="3" name="Rectangle 1">
+          <p:cNvPr id="4" name="Rectangle 1">
             <a:extLst>
               <a:ext uri="{FF2B5EF4-FFF2-40B4-BE49-F238E27FC236}">
-                <a16:creationId xmlns:a16="http://schemas.microsoft.com/office/drawing/2014/main" id="{B6CF39BF-023F-FBC3-320B-1AC8BF7D5A59}"/>
+                <a16:creationId xmlns:a16="http://schemas.microsoft.com/office/drawing/2014/main" id="{0A8B8312-5135-4A5F-E3A4-DBC2C6EF5AEB}"/>
               </a:ext>
             </a:extLst>
           </p:cNvPr>
-          <p:cNvSpPr>
-            <a:spLocks noGrp="1" noChangeArrowheads="1"/>
+          <p:cNvSpPr txBox="1">
+            <a:spLocks noChangeArrowheads="1"/>
           </p:cNvSpPr>
-          <p:nvPr>
-            <p:ph idx="1"/>
-          </p:nvPr>
+          <p:nvPr/>
         </p:nvSpPr>
         <p:spPr bwMode="auto">
           <a:xfrm>
-            <a:off x="1187624" y="2765683"/>
-            <a:ext cx="7344816" cy="2246769"/>
+            <a:off x="1071563" y="5112109"/>
+            <a:ext cx="7344816" cy="1200329"/>
           </a:xfrm>
           <a:prstGeom prst="rect">
             <a:avLst/>
@@ -5249,44 +5403,158 @@
             </a:prstTxWarp>
             <a:spAutoFit/>
           </a:bodyPr>
-          <a:lstStyle/>
-          <a:p>
-            <a:pPr marL="0" indent="0">
+          <a:lstStyle>
+            <a:lvl1pPr marL="342900" indent="-342900" algn="l" rtl="0" eaLnBrk="0" fontAlgn="base" hangingPunct="0">
               <a:spcBef>
+                <a:spcPct val="20000"/>
+              </a:spcBef>
+              <a:spcAft>
                 <a:spcPct val="0"/>
+              </a:spcAft>
+              <a:buFont typeface="Arial" panose="020B0604020202020204" pitchFamily="34" charset="0"/>
+              <a:buChar char="•"/>
+              <a:defRPr sz="2000" kern="1200">
+                <a:solidFill>
+                  <a:schemeClr val="tx1"/>
+                </a:solidFill>
+                <a:latin typeface="Arial" pitchFamily="34" charset="0"/>
+                <a:ea typeface="+mn-ea"/>
+                <a:cs typeface="Arial" pitchFamily="34" charset="0"/>
+              </a:defRPr>
+            </a:lvl1pPr>
+            <a:lvl2pPr marL="742950" indent="-285750" algn="l" rtl="0" eaLnBrk="0" fontAlgn="base" hangingPunct="0">
+              <a:spcBef>
+                <a:spcPct val="20000"/>
               </a:spcBef>
-              <a:buNone/>
-            </a:pPr>
-            <a:r>
-              <a:rPr lang="es-MX" altLang="es-CO" sz="1600" b="1" dirty="0"/>
-              <a:t>Método Frisch-</a:t>
-            </a:r>
-            <a:r>
-              <a:rPr lang="es-MX" altLang="es-CO" sz="1600" b="1" dirty="0" err="1"/>
-              <a:t>Waugh</a:t>
-            </a:r>
-            <a:r>
-              <a:rPr lang="es-MX" altLang="es-CO" sz="1600" b="1" dirty="0"/>
-              <a:t>-</a:t>
-            </a:r>
-            <a:r>
-              <a:rPr lang="es-MX" altLang="es-CO" sz="1600" b="1" dirty="0" err="1"/>
-              <a:t>Lovell</a:t>
-            </a:r>
-            <a:r>
-              <a:rPr lang="es-MX" altLang="es-CO" sz="1600" b="1" dirty="0"/>
-              <a:t>:</a:t>
-            </a:r>
-          </a:p>
-          <a:p>
-            <a:pPr marL="0" indent="0">
+              <a:spcAft>
+                <a:spcPct val="0"/>
+              </a:spcAft>
+              <a:buFont typeface="Arial" panose="020B0604020202020204" pitchFamily="34" charset="0"/>
+              <a:buChar char="–"/>
+              <a:defRPr kern="1200">
+                <a:solidFill>
+                  <a:schemeClr val="tx1"/>
+                </a:solidFill>
+                <a:latin typeface="Arial" pitchFamily="34" charset="0"/>
+                <a:ea typeface="+mn-ea"/>
+                <a:cs typeface="Arial" pitchFamily="34" charset="0"/>
+              </a:defRPr>
+            </a:lvl2pPr>
+            <a:lvl3pPr marL="1143000" indent="-228600" algn="l" rtl="0" eaLnBrk="0" fontAlgn="base" hangingPunct="0">
               <a:spcBef>
+                <a:spcPct val="20000"/>
+              </a:spcBef>
+              <a:spcAft>
                 <a:spcPct val="0"/>
+              </a:spcAft>
+              <a:buFont typeface="Arial" panose="020B0604020202020204" pitchFamily="34" charset="0"/>
+              <a:buChar char="•"/>
+              <a:defRPr sz="1600" kern="1200">
+                <a:solidFill>
+                  <a:schemeClr val="tx1"/>
+                </a:solidFill>
+                <a:latin typeface="Arial" pitchFamily="34" charset="0"/>
+                <a:ea typeface="+mn-ea"/>
+                <a:cs typeface="Arial" pitchFamily="34" charset="0"/>
+              </a:defRPr>
+            </a:lvl3pPr>
+            <a:lvl4pPr marL="1600200" indent="-228600" algn="l" rtl="0" eaLnBrk="0" fontAlgn="base" hangingPunct="0">
+              <a:spcBef>
+                <a:spcPct val="20000"/>
               </a:spcBef>
-              <a:buNone/>
-            </a:pPr>
-            <a:endParaRPr lang="es-MX" altLang="es-CO" sz="1600" dirty="0"/>
-          </a:p>
+              <a:spcAft>
+                <a:spcPct val="0"/>
+              </a:spcAft>
+              <a:buFont typeface="Arial" panose="020B0604020202020204" pitchFamily="34" charset="0"/>
+              <a:buChar char="–"/>
+              <a:defRPr sz="1400" kern="1200">
+                <a:solidFill>
+                  <a:schemeClr val="tx1"/>
+                </a:solidFill>
+                <a:latin typeface="Arial" pitchFamily="34" charset="0"/>
+                <a:ea typeface="+mn-ea"/>
+                <a:cs typeface="Arial" pitchFamily="34" charset="0"/>
+              </a:defRPr>
+            </a:lvl4pPr>
+            <a:lvl5pPr marL="2057400" indent="-228600" algn="l" rtl="0" eaLnBrk="0" fontAlgn="base" hangingPunct="0">
+              <a:spcBef>
+                <a:spcPct val="20000"/>
+              </a:spcBef>
+              <a:spcAft>
+                <a:spcPct val="0"/>
+              </a:spcAft>
+              <a:buFont typeface="Arial" panose="020B0604020202020204" pitchFamily="34" charset="0"/>
+              <a:buChar char="»"/>
+              <a:defRPr sz="1200" kern="1200">
+                <a:solidFill>
+                  <a:schemeClr val="tx1"/>
+                </a:solidFill>
+                <a:latin typeface="Arial" pitchFamily="34" charset="0"/>
+                <a:ea typeface="+mn-ea"/>
+                <a:cs typeface="Arial" pitchFamily="34" charset="0"/>
+              </a:defRPr>
+            </a:lvl5pPr>
+            <a:lvl6pPr marL="2514600" indent="-228600" algn="l" defTabSz="914400" rtl="0" eaLnBrk="1" latinLnBrk="0" hangingPunct="1">
+              <a:spcBef>
+                <a:spcPct val="20000"/>
+              </a:spcBef>
+              <a:buFont typeface="Arial" pitchFamily="34" charset="0"/>
+              <a:buChar char="•"/>
+              <a:defRPr sz="2000" kern="1200">
+                <a:solidFill>
+                  <a:schemeClr val="tx1"/>
+                </a:solidFill>
+                <a:latin typeface="+mn-lt"/>
+                <a:ea typeface="+mn-ea"/>
+                <a:cs typeface="+mn-cs"/>
+              </a:defRPr>
+            </a:lvl6pPr>
+            <a:lvl7pPr marL="2971800" indent="-228600" algn="l" defTabSz="914400" rtl="0" eaLnBrk="1" latinLnBrk="0" hangingPunct="1">
+              <a:spcBef>
+                <a:spcPct val="20000"/>
+              </a:spcBef>
+              <a:buFont typeface="Arial" pitchFamily="34" charset="0"/>
+              <a:buChar char="•"/>
+              <a:defRPr sz="2000" kern="1200">
+                <a:solidFill>
+                  <a:schemeClr val="tx1"/>
+                </a:solidFill>
+                <a:latin typeface="+mn-lt"/>
+                <a:ea typeface="+mn-ea"/>
+                <a:cs typeface="+mn-cs"/>
+              </a:defRPr>
+            </a:lvl7pPr>
+            <a:lvl8pPr marL="3429000" indent="-228600" algn="l" defTabSz="914400" rtl="0" eaLnBrk="1" latinLnBrk="0" hangingPunct="1">
+              <a:spcBef>
+                <a:spcPct val="20000"/>
+              </a:spcBef>
+              <a:buFont typeface="Arial" pitchFamily="34" charset="0"/>
+              <a:buChar char="•"/>
+              <a:defRPr sz="2000" kern="1200">
+                <a:solidFill>
+                  <a:schemeClr val="tx1"/>
+                </a:solidFill>
+                <a:latin typeface="+mn-lt"/>
+                <a:ea typeface="+mn-ea"/>
+                <a:cs typeface="+mn-cs"/>
+              </a:defRPr>
+            </a:lvl8pPr>
+            <a:lvl9pPr marL="3886200" indent="-228600" algn="l" defTabSz="914400" rtl="0" eaLnBrk="1" latinLnBrk="0" hangingPunct="1">
+              <a:spcBef>
+                <a:spcPct val="20000"/>
+              </a:spcBef>
+              <a:buFont typeface="Arial" pitchFamily="34" charset="0"/>
+              <a:buChar char="•"/>
+              <a:defRPr sz="2000" kern="1200">
+                <a:solidFill>
+                  <a:schemeClr val="tx1"/>
+                </a:solidFill>
+                <a:latin typeface="+mn-lt"/>
+                <a:ea typeface="+mn-ea"/>
+                <a:cs typeface="+mn-cs"/>
+              </a:defRPr>
+            </a:lvl9pPr>
+          </a:lstStyle>
           <a:p>
             <a:pPr>
               <a:spcBef>
@@ -5294,42 +5562,9 @@
               </a:spcBef>
             </a:pPr>
             <a:r>
-              <a:rPr lang="es-MX" altLang="es-CO" sz="1800" dirty="0" err="1"/>
-              <a:t>Coef</a:t>
-            </a:r>
-            <a:r>
               <a:rPr lang="es-MX" altLang="es-CO" sz="1800" dirty="0"/>
-              <a:t>. </a:t>
-            </a:r>
-            <a:r>
-              <a:rPr lang="es-MX" altLang="es-CO" sz="1800" dirty="0" err="1"/>
-              <a:t>res_sex</a:t>
-            </a:r>
-            <a:r>
-              <a:rPr lang="es-MX" altLang="es-CO" sz="1800" dirty="0"/>
-              <a:t> = 0,1414 </a:t>
-            </a:r>
-          </a:p>
-          <a:p>
-            <a:pPr marL="457200" lvl="1" indent="0">
-              <a:spcBef>
-                <a:spcPct val="0"/>
-              </a:spcBef>
-              <a:buNone/>
-            </a:pPr>
-            <a:r>
-              <a:rPr lang="es-MX" altLang="es-CO" dirty="0"/>
-              <a:t>→ Hombres ganan ≈15,2% más	</a:t>
-            </a:r>
-          </a:p>
-          <a:p>
-            <a:pPr marL="457200" lvl="1" indent="0">
-              <a:spcBef>
-                <a:spcPct val="0"/>
-              </a:spcBef>
-              <a:buNone/>
-            </a:pPr>
-            <a:endParaRPr lang="es-MX" altLang="es-CO" dirty="0"/>
+              <a:t>Intervalo 95%: [0,1197 – 0,1627]	</a:t>
+            </a:r>
           </a:p>
           <a:p>
             <a:pPr>
@@ -5339,40 +5574,33 @@
             </a:pPr>
             <a:r>
               <a:rPr lang="es-MX" altLang="es-CO" sz="1800" dirty="0"/>
-              <a:t>Altamente significativo (t=13,07, p&lt;0,001)</a:t>
-            </a:r>
-          </a:p>
-          <a:p>
-            <a:pPr marL="0" indent="0">
+              <a:t>Confirma robustez del resultado	</a:t>
+            </a:r>
+          </a:p>
+          <a:p>
+            <a:pPr>
               <a:spcBef>
                 <a:spcPct val="0"/>
               </a:spcBef>
-              <a:buNone/>
             </a:pPr>
-            <a:endParaRPr lang="es-MX" altLang="es-CO" sz="1800" dirty="0"/>
-          </a:p>
-          <a:p>
-            <a:pPr marL="0" indent="0">
+            <a:r>
+              <a:rPr lang="es-MX" altLang="es-CO" sz="1800" dirty="0"/>
+              <a:t>Diferencia salarial significativa </a:t>
+            </a:r>
+          </a:p>
+          <a:p>
+            <a:pPr marL="457200" lvl="1" indent="0">
               <a:spcBef>
                 <a:spcPct val="0"/>
               </a:spcBef>
+              <a:buFont typeface="Arial" panose="020B0604020202020204" pitchFamily="34" charset="0"/>
               <a:buNone/>
             </a:pPr>
             <a:r>
-              <a:rPr lang="es-MX" altLang="es-CO" sz="1800" dirty="0"/>
-              <a:t>Reafirma que la brecha salarial no desaparece al controlar covariables</a:t>
-            </a:r>
-            <a:endParaRPr kumimoji="0" lang="es-CO" altLang="es-CO" sz="1800" b="0" i="0" u="none" strike="noStrike" cap="none" normalizeH="0" baseline="0" dirty="0">
-              <a:ln>
-                <a:noFill/>
-              </a:ln>
-              <a:solidFill>
-                <a:schemeClr val="tx1"/>
-              </a:solidFill>
-              <a:effectLst/>
-              <a:latin typeface="Arial" panose="020B0604020202020204" pitchFamily="34" charset="0"/>
-              <a:cs typeface="Arial" panose="020B0604020202020204" pitchFamily="34" charset="0"/>
-            </a:endParaRPr>
+              <a:rPr lang="es-MX" altLang="es-CO" dirty="0"/>
+              <a:t>→ no es azar ni supuestos estadísticos</a:t>
+            </a:r>
+            <a:endParaRPr lang="es-CO" altLang="es-CO" dirty="0"/>
           </a:p>
         </p:txBody>
       </p:sp>
@@ -5380,289 +5608,6 @@
     <p:extLst>
       <p:ext uri="{BB962C8B-B14F-4D97-AF65-F5344CB8AC3E}">
         <p14:creationId xmlns:p14="http://schemas.microsoft.com/office/powerpoint/2010/main" val="2979774570"/>
-      </p:ext>
-    </p:extLst>
-  </p:cSld>
-  <p:clrMapOvr>
-    <a:masterClrMapping/>
-  </p:clrMapOvr>
-</p:sld>
-</file>
-
-<file path=ppt/slides/slide6.xml><?xml version="1.0" encoding="utf-8"?>
-<p:sld xmlns:a="http://schemas.openxmlformats.org/drawingml/2006/main" xmlns:r="http://schemas.openxmlformats.org/officeDocument/2006/relationships" xmlns:p="http://schemas.openxmlformats.org/presentationml/2006/main">
-  <p:cSld>
-    <p:spTree>
-      <p:nvGrpSpPr>
-        <p:cNvPr id="1" name="">
-          <a:extLst>
-            <a:ext uri="{FF2B5EF4-FFF2-40B4-BE49-F238E27FC236}">
-              <a16:creationId xmlns:a16="http://schemas.microsoft.com/office/drawing/2014/main" id="{C8D76464-D2E6-A260-47E2-1E1AD4E21684}"/>
-            </a:ext>
-          </a:extLst>
-        </p:cNvPr>
-        <p:cNvGrpSpPr/>
-        <p:nvPr/>
-      </p:nvGrpSpPr>
-      <p:grpSpPr>
-        <a:xfrm>
-          <a:off x="0" y="0"/>
-          <a:ext cx="0" cy="0"/>
-          <a:chOff x="0" y="0"/>
-          <a:chExt cx="0" cy="0"/>
-        </a:xfrm>
-      </p:grpSpPr>
-      <p:sp>
-        <p:nvSpPr>
-          <p:cNvPr id="6146" name="Título 1">
-            <a:extLst>
-              <a:ext uri="{FF2B5EF4-FFF2-40B4-BE49-F238E27FC236}">
-                <a16:creationId xmlns:a16="http://schemas.microsoft.com/office/drawing/2014/main" id="{78A62AD4-4240-2E49-6311-2A2436C0D82A}"/>
-              </a:ext>
-            </a:extLst>
-          </p:cNvPr>
-          <p:cNvSpPr>
-            <a:spLocks noGrp="1"/>
-          </p:cNvSpPr>
-          <p:nvPr>
-            <p:ph type="title"/>
-          </p:nvPr>
-        </p:nvSpPr>
-        <p:spPr>
-          <a:xfrm>
-            <a:off x="1071563" y="1772816"/>
-            <a:ext cx="8229600" cy="500062"/>
-          </a:xfrm>
-        </p:spPr>
-        <p:txBody>
-          <a:bodyPr/>
-          <a:lstStyle/>
-          <a:p>
-            <a:r>
-              <a:rPr lang="es-MX" altLang="es-CO" dirty="0"/>
-              <a:t>FWL + Bootstrap</a:t>
-            </a:r>
-            <a:endParaRPr lang="es-CO" altLang="es-CO" dirty="0"/>
-          </a:p>
-        </p:txBody>
-      </p:sp>
-      <p:sp>
-        <p:nvSpPr>
-          <p:cNvPr id="3" name="Rectangle 1">
-            <a:extLst>
-              <a:ext uri="{FF2B5EF4-FFF2-40B4-BE49-F238E27FC236}">
-                <a16:creationId xmlns:a16="http://schemas.microsoft.com/office/drawing/2014/main" id="{403085D2-51CC-423B-D460-23F1FA3EC71A}"/>
-              </a:ext>
-            </a:extLst>
-          </p:cNvPr>
-          <p:cNvSpPr>
-            <a:spLocks noGrp="1" noChangeArrowheads="1"/>
-          </p:cNvSpPr>
-          <p:nvPr>
-            <p:ph idx="1"/>
-          </p:nvPr>
-        </p:nvSpPr>
-        <p:spPr bwMode="auto">
-          <a:xfrm>
-            <a:off x="1187624" y="3011905"/>
-            <a:ext cx="7344816" cy="1754326"/>
-          </a:xfrm>
-          <a:prstGeom prst="rect">
-            <a:avLst/>
-          </a:prstGeom>
-          <a:noFill/>
-          <a:ln>
-            <a:noFill/>
-          </a:ln>
-          <a:effectLst/>
-          <a:extLst>
-            <a:ext uri="{909E8E84-426E-40DD-AFC4-6F175D3DCCD1}">
-              <a14:hiddenFill xmlns:a14="http://schemas.microsoft.com/office/drawing/2010/main">
-                <a:solidFill>
-                  <a:schemeClr val="accent1"/>
-                </a:solidFill>
-              </a14:hiddenFill>
-            </a:ext>
-            <a:ext uri="{91240B29-F687-4F45-9708-019B960494DF}">
-              <a14:hiddenLine xmlns:a14="http://schemas.microsoft.com/office/drawing/2010/main" w="9525">
-                <a:solidFill>
-                  <a:schemeClr val="tx1"/>
-                </a:solidFill>
-                <a:miter lim="800000"/>
-                <a:headEnd/>
-                <a:tailEnd/>
-              </a14:hiddenLine>
-            </a:ext>
-            <a:ext uri="{AF507438-7753-43E0-B8FC-AC1667EBCBE1}">
-              <a14:hiddenEffects xmlns:a14="http://schemas.microsoft.com/office/drawing/2010/main">
-                <a:effectLst>
-                  <a:outerShdw dist="35921" dir="2700000" algn="ctr" rotWithShape="0">
-                    <a:schemeClr val="bg2"/>
-                  </a:outerShdw>
-                </a:effectLst>
-              </a14:hiddenEffects>
-            </a:ext>
-          </a:extLst>
-        </p:spPr>
-        <p:txBody>
-          <a:bodyPr vert="horz" wrap="square" lIns="91440" tIns="45720" rIns="91440" bIns="45720" numCol="1" anchor="ctr" anchorCtr="0" compatLnSpc="1">
-            <a:prstTxWarp prst="textNoShape">
-              <a:avLst/>
-            </a:prstTxWarp>
-            <a:spAutoFit/>
-          </a:bodyPr>
-          <a:lstStyle/>
-          <a:p>
-            <a:pPr>
-              <a:spcBef>
-                <a:spcPct val="0"/>
-              </a:spcBef>
-            </a:pPr>
-            <a:r>
-              <a:rPr lang="es-MX" altLang="es-CO" sz="1800" dirty="0"/>
-              <a:t>Intervalo 95%: [0,1197 – 0,1627]	</a:t>
-            </a:r>
-          </a:p>
-          <a:p>
-            <a:pPr>
-              <a:spcBef>
-                <a:spcPct val="0"/>
-              </a:spcBef>
-            </a:pPr>
-            <a:endParaRPr lang="es-MX" altLang="es-CO" sz="1800" dirty="0"/>
-          </a:p>
-          <a:p>
-            <a:pPr>
-              <a:spcBef>
-                <a:spcPct val="0"/>
-              </a:spcBef>
-            </a:pPr>
-            <a:r>
-              <a:rPr lang="es-MX" altLang="es-CO" sz="1800" dirty="0"/>
-              <a:t>Confirma robustez del resultado	</a:t>
-            </a:r>
-          </a:p>
-          <a:p>
-            <a:pPr marL="0" indent="0">
-              <a:spcBef>
-                <a:spcPct val="0"/>
-              </a:spcBef>
-              <a:buNone/>
-            </a:pPr>
-            <a:endParaRPr lang="es-MX" altLang="es-CO" sz="1800" dirty="0"/>
-          </a:p>
-          <a:p>
-            <a:pPr>
-              <a:spcBef>
-                <a:spcPct val="0"/>
-              </a:spcBef>
-            </a:pPr>
-            <a:r>
-              <a:rPr lang="es-MX" altLang="es-CO" sz="1800" dirty="0"/>
-              <a:t>Diferencia salarial significativa </a:t>
-            </a:r>
-          </a:p>
-          <a:p>
-            <a:pPr marL="457200" lvl="1" indent="0">
-              <a:spcBef>
-                <a:spcPct val="0"/>
-              </a:spcBef>
-              <a:buNone/>
-            </a:pPr>
-            <a:r>
-              <a:rPr lang="es-MX" altLang="es-CO" dirty="0"/>
-              <a:t>→ no es azar ni supuestos estadísticos</a:t>
-            </a:r>
-            <a:endParaRPr kumimoji="0" lang="es-CO" altLang="es-CO" b="0" i="0" u="none" strike="noStrike" cap="none" normalizeH="0" baseline="0" dirty="0">
-              <a:ln>
-                <a:noFill/>
-              </a:ln>
-              <a:solidFill>
-                <a:schemeClr val="tx1"/>
-              </a:solidFill>
-              <a:effectLst/>
-              <a:latin typeface="Arial" panose="020B0604020202020204" pitchFamily="34" charset="0"/>
-              <a:cs typeface="Arial" panose="020B0604020202020204" pitchFamily="34" charset="0"/>
-            </a:endParaRPr>
-          </a:p>
-        </p:txBody>
-      </p:sp>
-    </p:spTree>
-    <p:extLst>
-      <p:ext uri="{BB962C8B-B14F-4D97-AF65-F5344CB8AC3E}">
-        <p14:creationId xmlns:p14="http://schemas.microsoft.com/office/powerpoint/2010/main" val="3250108995"/>
-      </p:ext>
-    </p:extLst>
-  </p:cSld>
-  <p:clrMapOvr>
-    <a:masterClrMapping/>
-  </p:clrMapOvr>
-</p:sld>
-</file>
-
-<file path=ppt/slides/slide7.xml><?xml version="1.0" encoding="utf-8"?>
-<p:sld xmlns:a="http://schemas.openxmlformats.org/drawingml/2006/main" xmlns:r="http://schemas.openxmlformats.org/officeDocument/2006/relationships" xmlns:p="http://schemas.openxmlformats.org/presentationml/2006/main">
-  <p:cSld>
-    <p:spTree>
-      <p:nvGrpSpPr>
-        <p:cNvPr id="1" name="">
-          <a:extLst>
-            <a:ext uri="{FF2B5EF4-FFF2-40B4-BE49-F238E27FC236}">
-              <a16:creationId xmlns:a16="http://schemas.microsoft.com/office/drawing/2014/main" id="{B4C07152-23A6-90FB-76B9-078107305A35}"/>
-            </a:ext>
-          </a:extLst>
-        </p:cNvPr>
-        <p:cNvGrpSpPr/>
-        <p:nvPr/>
-      </p:nvGrpSpPr>
-      <p:grpSpPr>
-        <a:xfrm>
-          <a:off x="0" y="0"/>
-          <a:ext cx="0" cy="0"/>
-          <a:chOff x="0" y="0"/>
-          <a:chExt cx="0" cy="0"/>
-        </a:xfrm>
-      </p:grpSpPr>
-      <p:pic>
-        <p:nvPicPr>
-          <p:cNvPr id="6" name="Imagen 5">
-            <a:extLst>
-              <a:ext uri="{FF2B5EF4-FFF2-40B4-BE49-F238E27FC236}">
-                <a16:creationId xmlns:a16="http://schemas.microsoft.com/office/drawing/2014/main" id="{41333A9D-9F2D-0777-8E2D-04911DA8F6E7}"/>
-              </a:ext>
-            </a:extLst>
-          </p:cNvPr>
-          <p:cNvPicPr>
-            <a:picLocks noChangeAspect="1"/>
-          </p:cNvPicPr>
-          <p:nvPr/>
-        </p:nvPicPr>
-        <p:blipFill>
-          <a:blip r:embed="rId2">
-            <a:extLst>
-              <a:ext uri="{28A0092B-C50C-407E-A947-70E740481C1C}">
-                <a14:useLocalDpi xmlns:a14="http://schemas.microsoft.com/office/drawing/2010/main" val="0"/>
-              </a:ext>
-            </a:extLst>
-          </a:blip>
-          <a:stretch>
-            <a:fillRect/>
-          </a:stretch>
-        </p:blipFill>
-        <p:spPr>
-          <a:xfrm>
-            <a:off x="1763688" y="1587653"/>
-            <a:ext cx="6988028" cy="4991448"/>
-          </a:xfrm>
-          <a:prstGeom prst="rect">
-            <a:avLst/>
-          </a:prstGeom>
-        </p:spPr>
-      </p:pic>
-    </p:spTree>
-    <p:extLst>
-      <p:ext uri="{BB962C8B-B14F-4D97-AF65-F5344CB8AC3E}">
-        <p14:creationId xmlns:p14="http://schemas.microsoft.com/office/powerpoint/2010/main" val="283371493"/>
       </p:ext>
     </p:extLst>
   </p:cSld>

--- a/Presentaciones/gap_equipo_08.pptx
+++ b/Presentaciones/gap_equipo_08.pptx
@@ -5,13 +5,14 @@
     <p:sldMasterId id="2147483648" r:id="rId1"/>
   </p:sldMasterIdLst>
   <p:notesMasterIdLst>
-    <p:notesMasterId r:id="rId6"/>
+    <p:notesMasterId r:id="rId7"/>
   </p:notesMasterIdLst>
   <p:sldIdLst>
     <p:sldId id="256" r:id="rId2"/>
     <p:sldId id="259" r:id="rId3"/>
     <p:sldId id="260" r:id="rId4"/>
-    <p:sldId id="262" r:id="rId5"/>
+    <p:sldId id="263" r:id="rId5"/>
+    <p:sldId id="262" r:id="rId6"/>
   </p:sldIdLst>
   <p:sldSz cx="9144000" cy="6858000" type="screen4x3"/>
   <p:notesSz cx="6858000" cy="9144000"/>
@@ -4916,6 +4917,115 @@
   <p:cSld>
     <p:spTree>
       <p:nvGrpSpPr>
+        <p:cNvPr id="1" name=""/>
+        <p:cNvGrpSpPr/>
+        <p:nvPr/>
+      </p:nvGrpSpPr>
+      <p:grpSpPr>
+        <a:xfrm>
+          <a:off x="0" y="0"/>
+          <a:ext cx="0" cy="0"/>
+          <a:chOff x="0" y="0"/>
+          <a:chExt cx="0" cy="0"/>
+        </a:xfrm>
+      </p:grpSpPr>
+      <p:sp>
+        <p:nvSpPr>
+          <p:cNvPr id="2" name="Título 1">
+            <a:extLst>
+              <a:ext uri="{FF2B5EF4-FFF2-40B4-BE49-F238E27FC236}">
+                <a16:creationId xmlns:a16="http://schemas.microsoft.com/office/drawing/2014/main" id="{2F90ADE1-DD2E-04A9-D2D4-37CA666049C4}"/>
+              </a:ext>
+            </a:extLst>
+          </p:cNvPr>
+          <p:cNvSpPr>
+            <a:spLocks noGrp="1"/>
+          </p:cNvSpPr>
+          <p:nvPr>
+            <p:ph type="title"/>
+          </p:nvPr>
+        </p:nvSpPr>
+        <p:spPr/>
+        <p:txBody>
+          <a:bodyPr/>
+          <a:lstStyle/>
+          <a:p>
+            <a:r>
+              <a:rPr lang="es-MX" dirty="0"/>
+              <a:t>Variables de Control (efectos esperados)</a:t>
+            </a:r>
+            <a:br>
+              <a:rPr lang="es-MX" dirty="0"/>
+            </a:br>
+            <a:endParaRPr lang="es-CO" dirty="0"/>
+          </a:p>
+        </p:txBody>
+      </p:sp>
+      <p:sp>
+        <p:nvSpPr>
+          <p:cNvPr id="3" name="Marcador de contenido 2">
+            <a:extLst>
+              <a:ext uri="{FF2B5EF4-FFF2-40B4-BE49-F238E27FC236}">
+                <a16:creationId xmlns:a16="http://schemas.microsoft.com/office/drawing/2014/main" id="{B4D9F7B7-D967-BE84-DE90-9D2F6964E8E9}"/>
+              </a:ext>
+            </a:extLst>
+          </p:cNvPr>
+          <p:cNvSpPr>
+            <a:spLocks noGrp="1"/>
+          </p:cNvSpPr>
+          <p:nvPr>
+            <p:ph idx="1"/>
+          </p:nvPr>
+        </p:nvSpPr>
+        <p:spPr/>
+        <p:txBody>
+          <a:bodyPr/>
+          <a:lstStyle/>
+          <a:p>
+            <a:r>
+              <a:rPr lang="es-MX" dirty="0"/>
+              <a:t>Educación ↑ → salarios más altos (efecto creciente)	</a:t>
+            </a:r>
+          </a:p>
+          <a:p>
+            <a:r>
+              <a:rPr lang="es-MX" dirty="0"/>
+              <a:t>Formalidad ↑ → +33% en ingresos</a:t>
+            </a:r>
+          </a:p>
+          <a:p>
+            <a:r>
+              <a:rPr lang="es-MX" dirty="0"/>
+              <a:t>Tamaño empresa ↑ → más grandes → salarios más altos</a:t>
+            </a:r>
+          </a:p>
+          <a:p>
+            <a:r>
+              <a:rPr lang="es-MX" dirty="0"/>
+              <a:t>Edad efecto positivo pero no lineal</a:t>
+            </a:r>
+            <a:endParaRPr lang="es-CO" dirty="0"/>
+          </a:p>
+        </p:txBody>
+      </p:sp>
+    </p:spTree>
+    <p:extLst>
+      <p:ext uri="{BB962C8B-B14F-4D97-AF65-F5344CB8AC3E}">
+        <p14:creationId xmlns:p14="http://schemas.microsoft.com/office/powerpoint/2010/main" val="4148722911"/>
+      </p:ext>
+    </p:extLst>
+  </p:cSld>
+  <p:clrMapOvr>
+    <a:masterClrMapping/>
+  </p:clrMapOvr>
+</p:sld>
+</file>
+
+<file path=ppt/slides/slide5.xml><?xml version="1.0" encoding="utf-8"?>
+<p:sld xmlns:a="http://schemas.openxmlformats.org/drawingml/2006/main" xmlns:r="http://schemas.openxmlformats.org/officeDocument/2006/relationships" xmlns:p="http://schemas.openxmlformats.org/presentationml/2006/main">
+  <p:cSld>
+    <p:spTree>
+      <p:nvGrpSpPr>
         <p:cNvPr id="1" name="">
           <a:extLst>
             <a:ext uri="{FF2B5EF4-FFF2-40B4-BE49-F238E27FC236}">
